--- a/발표자료_KB Storage/(최종)발표자료_창고 관리 프로그램-200818.pptx
+++ b/발표자료_KB Storage/(최종)발표자료_창고 관리 프로그램-200818.pptx
@@ -4764,7 +4764,7 @@
                 </a:solidFill>
               </a:rPr>
               <a:pPr/>
-              <a:t>8/19/2020</a:t>
+              <a:t>1/18/2021</a:t>
             </a:fld>
             <a:endParaRPr lang="en-US">
               <a:solidFill>
@@ -4968,7 +4968,7 @@
                 </a:solidFill>
               </a:rPr>
               <a:pPr/>
-              <a:t>8/19/2020</a:t>
+              <a:t>1/18/2021</a:t>
             </a:fld>
             <a:endParaRPr lang="en-US">
               <a:solidFill>
@@ -5120,7 +5120,7 @@
                 </a:solidFill>
               </a:rPr>
               <a:pPr/>
-              <a:t>8/19/2020</a:t>
+              <a:t>1/18/2021</a:t>
             </a:fld>
             <a:endParaRPr lang="en-US">
               <a:solidFill>
@@ -5238,7 +5238,7 @@
                 </a:solidFill>
               </a:rPr>
               <a:pPr/>
-              <a:t>8/19/2020</a:t>
+              <a:t>1/18/2021</a:t>
             </a:fld>
             <a:endParaRPr lang="en-US">
               <a:solidFill>
@@ -5504,7 +5504,7 @@
                 </a:solidFill>
               </a:rPr>
               <a:pPr/>
-              <a:t>8/19/2020</a:t>
+              <a:t>1/18/2021</a:t>
             </a:fld>
             <a:endParaRPr lang="en-US">
               <a:solidFill>
@@ -5708,7 +5708,7 @@
                 </a:solidFill>
               </a:rPr>
               <a:pPr/>
-              <a:t>8/19/2020</a:t>
+              <a:t>1/18/2021</a:t>
             </a:fld>
             <a:endParaRPr lang="en-US">
               <a:solidFill>
@@ -6175,7 +6175,7 @@
                 </a:solidFill>
               </a:rPr>
               <a:pPr/>
-              <a:t>8/19/2020</a:t>
+              <a:t>1/18/2021</a:t>
             </a:fld>
             <a:endParaRPr lang="en-US">
               <a:solidFill>
@@ -9593,7 +9593,7 @@
                   <a:spcPts val="0"/>
                 </a:spcAft>
               </a:pPr>
-              <a:t>8/19/2020</a:t>
+              <a:t>1/18/2021</a:t>
             </a:fld>
             <a:endParaRPr lang="en-US" dirty="0" smtClean="0">
               <a:solidFill>
@@ -9904,7 +9904,7 @@
                 </a:effectLst>
                 <a:ea typeface="굴림" charset="-127"/>
               </a:rPr>
-              <a:t>창고 관리 프로그램</a:t>
+              <a:t>물류 재고 프로그램</a:t>
             </a:r>
             <a:endParaRPr lang="ko-KR" altLang="en-US" sz="6000" dirty="0">
               <a:solidFill>
@@ -9952,7 +9952,7 @@
                 </a:solidFill>
                 <a:ea typeface="굴림" charset="-127"/>
               </a:rPr>
-              <a:t>송진영</a:t>
+              <a:t>우종훈</a:t>
             </a:r>
             <a:r>
               <a:rPr lang="en-US" altLang="ko-KR" sz="2800" dirty="0" smtClean="0">
@@ -9970,7 +9970,7 @@
                 </a:solidFill>
                 <a:ea typeface="굴림" charset="-127"/>
               </a:rPr>
-              <a:t>이승원</a:t>
+              <a:t>송진영</a:t>
             </a:r>
             <a:r>
               <a:rPr lang="en-US" altLang="ko-KR" sz="2800" dirty="0" smtClean="0">
@@ -9979,7 +9979,7 @@
                 </a:solidFill>
                 <a:ea typeface="굴림" charset="-127"/>
               </a:rPr>
-              <a:t>,</a:t>
+              <a:t>, </a:t>
             </a:r>
             <a:r>
               <a:rPr lang="ko-KR" altLang="en-US" sz="2800" dirty="0" smtClean="0">
@@ -9988,249 +9988,11 @@
                 </a:solidFill>
                 <a:ea typeface="굴림" charset="-127"/>
               </a:rPr>
-              <a:t> 우종훈</a:t>
+              <a:t>서주형</a:t>
             </a:r>
             <a:endParaRPr lang="ko-KR" altLang="en-US" sz="2800" dirty="0">
               <a:solidFill>
                 <a:srgbClr val="FFFF00"/>
-              </a:solidFill>
-              <a:ea typeface="굴림" charset="-127"/>
-            </a:endParaRPr>
-          </a:p>
-        </p:txBody>
-      </p:sp>
-      <p:sp>
-        <p:nvSpPr>
-          <p:cNvPr id="7" name="Rectangle 3"/>
-          <p:cNvSpPr txBox="1">
-            <a:spLocks noChangeArrowheads="1"/>
-          </p:cNvSpPr>
-          <p:nvPr/>
-        </p:nvSpPr>
-        <p:spPr bwMode="auto">
-          <a:xfrm>
-            <a:off x="7316930" y="2150108"/>
-            <a:ext cx="1575792" cy="685800"/>
-          </a:xfrm>
-          <a:prstGeom prst="rect">
-            <a:avLst/>
-          </a:prstGeom>
-          <a:noFill/>
-          <a:ln>
-            <a:noFill/>
-          </a:ln>
-          <a:effectLst/>
-          <a:extLst>
-            <a:ext uri="{909E8E84-426E-40DD-AFC4-6F175D3DCCD1}">
-              <a14:hiddenFill xmlns:a14="http://schemas.microsoft.com/office/drawing/2010/main">
-                <a:solidFill>
-                  <a:schemeClr val="accent1"/>
-                </a:solidFill>
-              </a14:hiddenFill>
-            </a:ext>
-            <a:ext uri="{91240B29-F687-4F45-9708-019B960494DF}">
-              <a14:hiddenLine xmlns:a14="http://schemas.microsoft.com/office/drawing/2010/main" w="9525">
-                <a:solidFill>
-                  <a:schemeClr val="tx1"/>
-                </a:solidFill>
-                <a:miter lim="800000"/>
-                <a:headEnd/>
-                <a:tailEnd/>
-              </a14:hiddenLine>
-            </a:ext>
-            <a:ext uri="{AF507438-7753-43E0-B8FC-AC1667EBCBE1}">
-              <a14:hiddenEffects xmlns:a14="http://schemas.microsoft.com/office/drawing/2010/main">
-                <a:effectLst>
-                  <a:outerShdw dist="35921" dir="2700000" algn="ctr" rotWithShape="0">
-                    <a:schemeClr val="bg2"/>
-                  </a:outerShdw>
-                </a:effectLst>
-              </a14:hiddenEffects>
-            </a:ext>
-          </a:extLst>
-        </p:spPr>
-        <p:txBody>
-          <a:bodyPr vert="horz" wrap="square" lIns="91440" tIns="45720" rIns="91440" bIns="45720" numCol="1" anchor="t" anchorCtr="0" compatLnSpc="1">
-            <a:prstTxWarp prst="textNoShape">
-              <a:avLst/>
-            </a:prstTxWarp>
-          </a:bodyPr>
-          <a:lstStyle>
-            <a:lvl1pPr marL="0" indent="0" algn="l" rtl="0" eaLnBrk="1" fontAlgn="base" latinLnBrk="1" hangingPunct="1">
-              <a:spcBef>
-                <a:spcPct val="20000"/>
-              </a:spcBef>
-              <a:spcAft>
-                <a:spcPct val="0"/>
-              </a:spcAft>
-              <a:buFontTx/>
-              <a:buNone/>
-              <a:defRPr>
-                <a:solidFill>
-                  <a:schemeClr val="tx2"/>
-                </a:solidFill>
-                <a:latin typeface="+mn-lt"/>
-                <a:ea typeface="+mn-ea"/>
-                <a:cs typeface="+mn-cs"/>
-              </a:defRPr>
-            </a:lvl1pPr>
-            <a:lvl2pPr marL="742950" indent="-285750" algn="l" rtl="0" eaLnBrk="1" fontAlgn="base" latinLnBrk="1" hangingPunct="1">
-              <a:spcBef>
-                <a:spcPct val="20000"/>
-              </a:spcBef>
-              <a:spcAft>
-                <a:spcPct val="0"/>
-              </a:spcAft>
-              <a:buChar char="–"/>
-              <a:defRPr>
-                <a:solidFill>
-                  <a:schemeClr val="tx1"/>
-                </a:solidFill>
-                <a:latin typeface="+mn-lt"/>
-              </a:defRPr>
-            </a:lvl2pPr>
-            <a:lvl3pPr marL="1143000" indent="-228600" algn="l" rtl="0" eaLnBrk="1" fontAlgn="base" latinLnBrk="1" hangingPunct="1">
-              <a:spcBef>
-                <a:spcPct val="20000"/>
-              </a:spcBef>
-              <a:spcAft>
-                <a:spcPct val="0"/>
-              </a:spcAft>
-              <a:buChar char="•"/>
-              <a:defRPr>
-                <a:solidFill>
-                  <a:schemeClr val="tx1"/>
-                </a:solidFill>
-                <a:latin typeface="+mn-lt"/>
-              </a:defRPr>
-            </a:lvl3pPr>
-            <a:lvl4pPr marL="1600200" indent="-228600" algn="l" rtl="0" eaLnBrk="1" fontAlgn="base" latinLnBrk="1" hangingPunct="1">
-              <a:spcBef>
-                <a:spcPct val="20000"/>
-              </a:spcBef>
-              <a:spcAft>
-                <a:spcPct val="0"/>
-              </a:spcAft>
-              <a:buChar char="–"/>
-              <a:defRPr>
-                <a:solidFill>
-                  <a:schemeClr val="tx1"/>
-                </a:solidFill>
-                <a:latin typeface="+mn-lt"/>
-              </a:defRPr>
-            </a:lvl4pPr>
-            <a:lvl5pPr marL="2057400" indent="-228600" algn="l" rtl="0" eaLnBrk="1" fontAlgn="base" latinLnBrk="1" hangingPunct="1">
-              <a:spcBef>
-                <a:spcPct val="20000"/>
-              </a:spcBef>
-              <a:spcAft>
-                <a:spcPct val="0"/>
-              </a:spcAft>
-              <a:buChar char="»"/>
-              <a:defRPr>
-                <a:solidFill>
-                  <a:schemeClr val="tx1"/>
-                </a:solidFill>
-                <a:latin typeface="+mn-lt"/>
-              </a:defRPr>
-            </a:lvl5pPr>
-            <a:lvl6pPr marL="2514600" indent="-228600" algn="l" rtl="0" eaLnBrk="1" fontAlgn="base" latinLnBrk="1" hangingPunct="1">
-              <a:spcBef>
-                <a:spcPct val="20000"/>
-              </a:spcBef>
-              <a:spcAft>
-                <a:spcPct val="0"/>
-              </a:spcAft>
-              <a:buChar char="»"/>
-              <a:defRPr>
-                <a:solidFill>
-                  <a:schemeClr val="tx1"/>
-                </a:solidFill>
-                <a:latin typeface="+mn-lt"/>
-              </a:defRPr>
-            </a:lvl6pPr>
-            <a:lvl7pPr marL="2971800" indent="-228600" algn="l" rtl="0" eaLnBrk="1" fontAlgn="base" latinLnBrk="1" hangingPunct="1">
-              <a:spcBef>
-                <a:spcPct val="20000"/>
-              </a:spcBef>
-              <a:spcAft>
-                <a:spcPct val="0"/>
-              </a:spcAft>
-              <a:buChar char="»"/>
-              <a:defRPr>
-                <a:solidFill>
-                  <a:schemeClr val="tx1"/>
-                </a:solidFill>
-                <a:latin typeface="+mn-lt"/>
-              </a:defRPr>
-            </a:lvl7pPr>
-            <a:lvl8pPr marL="3429000" indent="-228600" algn="l" rtl="0" eaLnBrk="1" fontAlgn="base" latinLnBrk="1" hangingPunct="1">
-              <a:spcBef>
-                <a:spcPct val="20000"/>
-              </a:spcBef>
-              <a:spcAft>
-                <a:spcPct val="0"/>
-              </a:spcAft>
-              <a:buChar char="»"/>
-              <a:defRPr>
-                <a:solidFill>
-                  <a:schemeClr val="tx1"/>
-                </a:solidFill>
-                <a:latin typeface="+mn-lt"/>
-              </a:defRPr>
-            </a:lvl8pPr>
-            <a:lvl9pPr marL="3886200" indent="-228600" algn="l" rtl="0" eaLnBrk="1" fontAlgn="base" latinLnBrk="1" hangingPunct="1">
-              <a:spcBef>
-                <a:spcPct val="20000"/>
-              </a:spcBef>
-              <a:spcAft>
-                <a:spcPct val="0"/>
-              </a:spcAft>
-              <a:buChar char="»"/>
-              <a:defRPr>
-                <a:solidFill>
-                  <a:schemeClr val="tx1"/>
-                </a:solidFill>
-                <a:latin typeface="+mn-lt"/>
-              </a:defRPr>
-            </a:lvl9pPr>
-          </a:lstStyle>
-          <a:p>
-            <a:pPr>
-              <a:lnSpc>
-                <a:spcPct val="90000"/>
-              </a:lnSpc>
-            </a:pPr>
-            <a:r>
-              <a:rPr lang="en-US" altLang="ko-KR" sz="3600" dirty="0" smtClean="0">
-                <a:solidFill>
-                  <a:srgbClr val="00B0F0"/>
-                </a:solidFill>
-                <a:ea typeface="굴림" charset="-127"/>
-              </a:rPr>
-              <a:t>&lt;1</a:t>
-            </a:r>
-            <a:r>
-              <a:rPr lang="ko-KR" altLang="en-US" sz="3600" dirty="0" smtClean="0">
-                <a:solidFill>
-                  <a:srgbClr val="00B0F0"/>
-                </a:solidFill>
-                <a:ea typeface="굴림" charset="-127"/>
-              </a:rPr>
-              <a:t>조</a:t>
-            </a:r>
-            <a:r>
-              <a:rPr lang="en-US" altLang="ko-KR" sz="3600" dirty="0" smtClean="0">
-                <a:solidFill>
-                  <a:srgbClr val="00B0F0"/>
-                </a:solidFill>
-                <a:ea typeface="굴림" charset="-127"/>
-              </a:rPr>
-              <a:t>&gt;</a:t>
-            </a:r>
-            <a:endParaRPr lang="ko-KR" altLang="en-US" sz="3600" dirty="0">
-              <a:solidFill>
-                <a:srgbClr val="00B0F0"/>
               </a:solidFill>
               <a:ea typeface="굴림" charset="-127"/>
             </a:endParaRPr>
@@ -11293,11 +11055,7 @@
             </a:pPr>
             <a:r>
               <a:rPr lang="ko-KR" altLang="en-US" sz="2000" b="1" dirty="0" smtClean="0"/>
-              <a:t>출고 담당</a:t>
-            </a:r>
-            <a:r>
-              <a:rPr lang="ko-KR" altLang="en-US" sz="2000" b="1" dirty="0" smtClean="0"/>
-              <a:t>자 로그인  화면</a:t>
+              <a:t>출고 담당자 로그인  화면</a:t>
             </a:r>
             <a:endParaRPr lang="en-US" altLang="ko-KR" sz="2000" b="1" dirty="0" smtClean="0"/>
           </a:p>
@@ -11545,11 +11303,7 @@
             </a:pPr>
             <a:r>
               <a:rPr lang="ko-KR" altLang="en-US" sz="2000" b="1" dirty="0" smtClean="0"/>
-              <a:t>출고 담당</a:t>
-            </a:r>
-            <a:r>
-              <a:rPr lang="ko-KR" altLang="en-US" sz="2000" b="1" dirty="0" smtClean="0"/>
-              <a:t>자 로그인  화면</a:t>
+              <a:t>출고 담당자 로그인  화면</a:t>
             </a:r>
             <a:endParaRPr lang="en-US" altLang="ko-KR" sz="2000" b="1" dirty="0" smtClean="0"/>
           </a:p>
@@ -11799,11 +11553,7 @@
             </a:pPr>
             <a:r>
               <a:rPr lang="ko-KR" altLang="en-US" sz="2000" b="1" dirty="0" smtClean="0"/>
-              <a:t>입고 담당</a:t>
-            </a:r>
-            <a:r>
-              <a:rPr lang="ko-KR" altLang="en-US" sz="2000" b="1" dirty="0" smtClean="0"/>
-              <a:t>자 로그인 시 화면</a:t>
+              <a:t>입고 담당자 로그인 시 화면</a:t>
             </a:r>
             <a:endParaRPr lang="en-US" altLang="ko-KR" sz="2000" b="1" dirty="0" smtClean="0"/>
           </a:p>
@@ -12855,15 +12605,7 @@
               <a:srgbClr val="FFFFFF"/>
             </a:contourClr>
           </a:sp3d>
-          <a:extLst>
-            <a:ext uri="{909E8E84-426E-40DD-AFC4-6F175D3DCCD1}">
-              <a14:hiddenFill xmlns:a14="http://schemas.microsoft.com/office/drawing/2010/main">
-                <a:solidFill>
-                  <a:srgbClr val="FFFFFF"/>
-                </a:solidFill>
-              </a14:hiddenFill>
-            </a:ext>
-          </a:extLst>
+          <a:extLst/>
         </p:spPr>
       </p:pic>
       <p:pic>
@@ -13133,11 +12875,7 @@
             </a:pPr>
             <a:r>
               <a:rPr lang="ko-KR" altLang="en-US" sz="2000" b="1" dirty="0" smtClean="0"/>
-              <a:t> 네트워크 </a:t>
-            </a:r>
-            <a:r>
-              <a:rPr lang="ko-KR" altLang="en-US" sz="2000" b="1" dirty="0" smtClean="0"/>
-              <a:t> 활용</a:t>
+              <a:t> 네트워크  활용</a:t>
             </a:r>
             <a:endParaRPr lang="ko-KR" altLang="en-US" sz="2000" b="1" dirty="0"/>
           </a:p>
@@ -13695,15 +13433,7 @@
             </a:pPr>
             <a:r>
               <a:rPr lang="ko-KR" altLang="en-US" sz="2000" b="1" dirty="0" smtClean="0"/>
-              <a:t> </a:t>
-            </a:r>
-            <a:r>
-              <a:rPr lang="ko-KR" altLang="en-US" sz="2000" b="1" dirty="0" smtClean="0"/>
-              <a:t>두 개 이상의 </a:t>
-            </a:r>
-            <a:r>
-              <a:rPr lang="ko-KR" altLang="en-US" sz="2000" b="1" dirty="0" smtClean="0"/>
-              <a:t>다중 창고 관리 시스템</a:t>
+              <a:t> 두 개 이상의 다중 창고 관리 시스템</a:t>
             </a:r>
             <a:endParaRPr lang="en-US" altLang="ko-KR" sz="2000" b="1" dirty="0" smtClean="0"/>
           </a:p>
